--- a/Midterm_Project/視覺稿/熱門(視覺稿).pptx
+++ b/Midterm_Project/視覺稿/熱門(視覺稿).pptx
@@ -243,7 +243,7 @@
           <a:p>
             <a:fld id="{838245C8-9A2C-4BD0-97C7-45F18F32E819}" type="datetimeFigureOut">
               <a:rPr lang="zh-TW" altLang="en-US" smtClean="0"/>
-              <a:t>2017/4/23</a:t>
+              <a:t>2017/4/24</a:t>
             </a:fld>
             <a:endParaRPr lang="zh-TW" altLang="en-US"/>
           </a:p>
@@ -413,7 +413,7 @@
           <a:p>
             <a:fld id="{838245C8-9A2C-4BD0-97C7-45F18F32E819}" type="datetimeFigureOut">
               <a:rPr lang="zh-TW" altLang="en-US" smtClean="0"/>
-              <a:t>2017/4/23</a:t>
+              <a:t>2017/4/24</a:t>
             </a:fld>
             <a:endParaRPr lang="zh-TW" altLang="en-US"/>
           </a:p>
@@ -593,7 +593,7 @@
           <a:p>
             <a:fld id="{838245C8-9A2C-4BD0-97C7-45F18F32E819}" type="datetimeFigureOut">
               <a:rPr lang="zh-TW" altLang="en-US" smtClean="0"/>
-              <a:t>2017/4/23</a:t>
+              <a:t>2017/4/24</a:t>
             </a:fld>
             <a:endParaRPr lang="zh-TW" altLang="en-US"/>
           </a:p>
@@ -763,7 +763,7 @@
           <a:p>
             <a:fld id="{838245C8-9A2C-4BD0-97C7-45F18F32E819}" type="datetimeFigureOut">
               <a:rPr lang="zh-TW" altLang="en-US" smtClean="0"/>
-              <a:t>2017/4/23</a:t>
+              <a:t>2017/4/24</a:t>
             </a:fld>
             <a:endParaRPr lang="zh-TW" altLang="en-US"/>
           </a:p>
@@ -1007,7 +1007,7 @@
           <a:p>
             <a:fld id="{838245C8-9A2C-4BD0-97C7-45F18F32E819}" type="datetimeFigureOut">
               <a:rPr lang="zh-TW" altLang="en-US" smtClean="0"/>
-              <a:t>2017/4/23</a:t>
+              <a:t>2017/4/24</a:t>
             </a:fld>
             <a:endParaRPr lang="zh-TW" altLang="en-US"/>
           </a:p>
@@ -1239,7 +1239,7 @@
           <a:p>
             <a:fld id="{838245C8-9A2C-4BD0-97C7-45F18F32E819}" type="datetimeFigureOut">
               <a:rPr lang="zh-TW" altLang="en-US" smtClean="0"/>
-              <a:t>2017/4/23</a:t>
+              <a:t>2017/4/24</a:t>
             </a:fld>
             <a:endParaRPr lang="zh-TW" altLang="en-US"/>
           </a:p>
@@ -1606,7 +1606,7 @@
           <a:p>
             <a:fld id="{838245C8-9A2C-4BD0-97C7-45F18F32E819}" type="datetimeFigureOut">
               <a:rPr lang="zh-TW" altLang="en-US" smtClean="0"/>
-              <a:t>2017/4/23</a:t>
+              <a:t>2017/4/24</a:t>
             </a:fld>
             <a:endParaRPr lang="zh-TW" altLang="en-US"/>
           </a:p>
@@ -1724,7 +1724,7 @@
           <a:p>
             <a:fld id="{838245C8-9A2C-4BD0-97C7-45F18F32E819}" type="datetimeFigureOut">
               <a:rPr lang="zh-TW" altLang="en-US" smtClean="0"/>
-              <a:t>2017/4/23</a:t>
+              <a:t>2017/4/24</a:t>
             </a:fld>
             <a:endParaRPr lang="zh-TW" altLang="en-US"/>
           </a:p>
@@ -1819,7 +1819,7 @@
           <a:p>
             <a:fld id="{838245C8-9A2C-4BD0-97C7-45F18F32E819}" type="datetimeFigureOut">
               <a:rPr lang="zh-TW" altLang="en-US" smtClean="0"/>
-              <a:t>2017/4/23</a:t>
+              <a:t>2017/4/24</a:t>
             </a:fld>
             <a:endParaRPr lang="zh-TW" altLang="en-US"/>
           </a:p>
@@ -2096,7 +2096,7 @@
           <a:p>
             <a:fld id="{838245C8-9A2C-4BD0-97C7-45F18F32E819}" type="datetimeFigureOut">
               <a:rPr lang="zh-TW" altLang="en-US" smtClean="0"/>
-              <a:t>2017/4/23</a:t>
+              <a:t>2017/4/24</a:t>
             </a:fld>
             <a:endParaRPr lang="zh-TW" altLang="en-US"/>
           </a:p>
@@ -2353,7 +2353,7 @@
           <a:p>
             <a:fld id="{838245C8-9A2C-4BD0-97C7-45F18F32E819}" type="datetimeFigureOut">
               <a:rPr lang="zh-TW" altLang="en-US" smtClean="0"/>
-              <a:t>2017/4/23</a:t>
+              <a:t>2017/4/24</a:t>
             </a:fld>
             <a:endParaRPr lang="zh-TW" altLang="en-US"/>
           </a:p>
@@ -2566,7 +2566,7 @@
           <a:p>
             <a:fld id="{838245C8-9A2C-4BD0-97C7-45F18F32E819}" type="datetimeFigureOut">
               <a:rPr lang="zh-TW" altLang="en-US" smtClean="0"/>
-              <a:t>2017/4/23</a:t>
+              <a:t>2017/4/24</a:t>
             </a:fld>
             <a:endParaRPr lang="zh-TW" altLang="en-US"/>
           </a:p>
@@ -3110,22 +3110,28 @@
               <a:rPr lang="zh-TW" altLang="en-US" dirty="0">
                 <a:latin typeface="Garamond" panose="02020404030301010803" pitchFamily="18" charset="0"/>
               </a:rPr>
-              <a:t>   最新食譜</a:t>
-            </a:r>
-            <a:r>
-              <a:rPr lang="en-US" altLang="zh-TW" dirty="0">
+              <a:t>   最新</a:t>
+            </a:r>
+            <a:r>
+              <a:rPr lang="zh-TW" altLang="en-US" dirty="0" smtClean="0">
+                <a:latin typeface="Garamond" panose="02020404030301010803" pitchFamily="18" charset="0"/>
+              </a:rPr>
+              <a:t>食譜 </a:t>
+            </a:r>
+            <a:r>
+              <a:rPr lang="en-US" altLang="zh-TW" dirty="0" smtClean="0">
                 <a:latin typeface="Garamond" panose="02020404030301010803" pitchFamily="18" charset="0"/>
               </a:rPr>
               <a:t>New </a:t>
             </a:r>
             <a:r>
-              <a:rPr lang="zh-TW" altLang="en-US" dirty="0">
+              <a:rPr lang="zh-TW" altLang="en-US" smtClean="0">
                 <a:latin typeface="Garamond" panose="02020404030301010803" pitchFamily="18" charset="0"/>
               </a:rPr>
-              <a:t>   註冊</a:t>
-            </a:r>
-            <a:r>
-              <a:rPr lang="en-US" altLang="zh-TW" dirty="0">
+              <a:t>   註冊 </a:t>
+            </a:r>
+            <a:r>
+              <a:rPr lang="en-US" altLang="zh-TW" smtClean="0">
                 <a:latin typeface="Garamond" panose="02020404030301010803" pitchFamily="18" charset="0"/>
               </a:rPr>
               <a:t>Sign</a:t>
